--- a/ForceRecorderGame/SuperPup_Images2.pptx
+++ b/ForceRecorderGame/SuperPup_Images2.pptx
@@ -199,7 +199,7 @@
           <a:p>
             <a:fld id="{CAE37803-C0F8-8447-86ED-9EB49A427785}" type="datetimeFigureOut">
               <a:rPr lang="en-US" smtClean="0"/>
-              <a:t>2/21/22</a:t>
+              <a:t>3/3/22</a:t>
             </a:fld>
             <a:endParaRPr lang="en-US"/>
           </a:p>
@@ -899,7 +899,7 @@
           <a:p>
             <a:fld id="{47A5914E-883D-4749-8536-C87127C9ADBD}" type="datetimeFigureOut">
               <a:rPr lang="en-US" smtClean="0"/>
-              <a:t>2/21/22</a:t>
+              <a:t>3/3/22</a:t>
             </a:fld>
             <a:endParaRPr lang="en-US"/>
           </a:p>
@@ -1097,7 +1097,7 @@
           <a:p>
             <a:fld id="{47A5914E-883D-4749-8536-C87127C9ADBD}" type="datetimeFigureOut">
               <a:rPr lang="en-US" smtClean="0"/>
-              <a:t>2/21/22</a:t>
+              <a:t>3/3/22</a:t>
             </a:fld>
             <a:endParaRPr lang="en-US"/>
           </a:p>
@@ -1305,7 +1305,7 @@
           <a:p>
             <a:fld id="{47A5914E-883D-4749-8536-C87127C9ADBD}" type="datetimeFigureOut">
               <a:rPr lang="en-US" smtClean="0"/>
-              <a:t>2/21/22</a:t>
+              <a:t>3/3/22</a:t>
             </a:fld>
             <a:endParaRPr lang="en-US"/>
           </a:p>
@@ -1503,7 +1503,7 @@
           <a:p>
             <a:fld id="{47A5914E-883D-4749-8536-C87127C9ADBD}" type="datetimeFigureOut">
               <a:rPr lang="en-US" smtClean="0"/>
-              <a:t>2/21/22</a:t>
+              <a:t>3/3/22</a:t>
             </a:fld>
             <a:endParaRPr lang="en-US"/>
           </a:p>
@@ -1778,7 +1778,7 @@
           <a:p>
             <a:fld id="{47A5914E-883D-4749-8536-C87127C9ADBD}" type="datetimeFigureOut">
               <a:rPr lang="en-US" smtClean="0"/>
-              <a:t>2/21/22</a:t>
+              <a:t>3/3/22</a:t>
             </a:fld>
             <a:endParaRPr lang="en-US"/>
           </a:p>
@@ -2043,7 +2043,7 @@
           <a:p>
             <a:fld id="{47A5914E-883D-4749-8536-C87127C9ADBD}" type="datetimeFigureOut">
               <a:rPr lang="en-US" smtClean="0"/>
-              <a:t>2/21/22</a:t>
+              <a:t>3/3/22</a:t>
             </a:fld>
             <a:endParaRPr lang="en-US"/>
           </a:p>
@@ -2455,7 +2455,7 @@
           <a:p>
             <a:fld id="{47A5914E-883D-4749-8536-C87127C9ADBD}" type="datetimeFigureOut">
               <a:rPr lang="en-US" smtClean="0"/>
-              <a:t>2/21/22</a:t>
+              <a:t>3/3/22</a:t>
             </a:fld>
             <a:endParaRPr lang="en-US"/>
           </a:p>
@@ -2596,7 +2596,7 @@
           <a:p>
             <a:fld id="{47A5914E-883D-4749-8536-C87127C9ADBD}" type="datetimeFigureOut">
               <a:rPr lang="en-US" smtClean="0"/>
-              <a:t>2/21/22</a:t>
+              <a:t>3/3/22</a:t>
             </a:fld>
             <a:endParaRPr lang="en-US"/>
           </a:p>
@@ -2709,7 +2709,7 @@
           <a:p>
             <a:fld id="{47A5914E-883D-4749-8536-C87127C9ADBD}" type="datetimeFigureOut">
               <a:rPr lang="en-US" smtClean="0"/>
-              <a:t>2/21/22</a:t>
+              <a:t>3/3/22</a:t>
             </a:fld>
             <a:endParaRPr lang="en-US"/>
           </a:p>
@@ -3020,7 +3020,7 @@
           <a:p>
             <a:fld id="{47A5914E-883D-4749-8536-C87127C9ADBD}" type="datetimeFigureOut">
               <a:rPr lang="en-US" smtClean="0"/>
-              <a:t>2/21/22</a:t>
+              <a:t>3/3/22</a:t>
             </a:fld>
             <a:endParaRPr lang="en-US"/>
           </a:p>
@@ -3308,7 +3308,7 @@
           <a:p>
             <a:fld id="{47A5914E-883D-4749-8536-C87127C9ADBD}" type="datetimeFigureOut">
               <a:rPr lang="en-US" smtClean="0"/>
-              <a:t>2/21/22</a:t>
+              <a:t>3/3/22</a:t>
             </a:fld>
             <a:endParaRPr lang="en-US"/>
           </a:p>
@@ -3549,7 +3549,7 @@
           <a:p>
             <a:fld id="{47A5914E-883D-4749-8536-C87127C9ADBD}" type="datetimeFigureOut">
               <a:rPr lang="en-US" smtClean="0"/>
-              <a:t>2/21/22</a:t>
+              <a:t>3/3/22</a:t>
             </a:fld>
             <a:endParaRPr lang="en-US"/>
           </a:p>
@@ -4516,105 +4516,6 @@
           </a:p>
         </p:txBody>
       </p:sp>
-      <p:pic>
-        <p:nvPicPr>
-          <p:cNvPr id="33" name="Picture 10" descr="Dog Bone Cookie Cutter | Lakeland">
-            <a:extLst>
-              <a:ext uri="{FF2B5EF4-FFF2-40B4-BE49-F238E27FC236}">
-                <a16:creationId xmlns:a16="http://schemas.microsoft.com/office/drawing/2014/main" id="{26492382-8F96-6444-A6D9-49F17A448165}"/>
-              </a:ext>
-            </a:extLst>
-          </p:cNvPr>
-          <p:cNvPicPr>
-            <a:picLocks noChangeAspect="1" noChangeArrowheads="1"/>
-          </p:cNvPicPr>
-          <p:nvPr/>
-        </p:nvPicPr>
-        <p:blipFill>
-          <a:blip r:embed="rId6">
-            <a:extLst>
-              <a:ext uri="{BEBA8EAE-BF5A-486C-A8C5-ECC9F3942E4B}">
-                <a14:imgProps xmlns:a14="http://schemas.microsoft.com/office/drawing/2010/main">
-                  <a14:imgLayer r:embed="rId7">
-                    <a14:imgEffect>
-                      <a14:backgroundRemoval t="10000" b="90000" l="10000" r="90000"/>
-                    </a14:imgEffect>
-                  </a14:imgLayer>
-                </a14:imgProps>
-              </a:ext>
-              <a:ext uri="{28A0092B-C50C-407E-A947-70E740481C1C}">
-                <a14:useLocalDpi xmlns:a14="http://schemas.microsoft.com/office/drawing/2010/main" val="0"/>
-              </a:ext>
-            </a:extLst>
-          </a:blip>
-          <a:srcRect/>
-          <a:stretch>
-            <a:fillRect/>
-          </a:stretch>
-        </p:blipFill>
-        <p:spPr bwMode="auto">
-          <a:xfrm>
-            <a:off x="9744063" y="4207462"/>
-            <a:ext cx="1435095" cy="1435095"/>
-          </a:xfrm>
-          <a:prstGeom prst="rect">
-            <a:avLst/>
-          </a:prstGeom>
-          <a:noFill/>
-          <a:effectLst>
-            <a:glow rad="127000">
-              <a:srgbClr val="FFFF00"/>
-            </a:glow>
-          </a:effectLst>
-          <a:extLst>
-            <a:ext uri="{909E8E84-426E-40DD-AFC4-6F175D3DCCD1}">
-              <a14:hiddenFill xmlns:a14="http://schemas.microsoft.com/office/drawing/2010/main">
-                <a:solidFill>
-                  <a:srgbClr val="FFFFFF"/>
-                </a:solidFill>
-              </a14:hiddenFill>
-            </a:ext>
-          </a:extLst>
-        </p:spPr>
-      </p:pic>
-      <p:sp>
-        <p:nvSpPr>
-          <p:cNvPr id="34" name="TextBox 33">
-            <a:extLst>
-              <a:ext uri="{FF2B5EF4-FFF2-40B4-BE49-F238E27FC236}">
-                <a16:creationId xmlns:a16="http://schemas.microsoft.com/office/drawing/2014/main" id="{4C3B2E53-7CDB-2243-AA9A-A512987C991E}"/>
-              </a:ext>
-            </a:extLst>
-          </p:cNvPr>
-          <p:cNvSpPr txBox="1"/>
-          <p:nvPr/>
-        </p:nvSpPr>
-        <p:spPr>
-          <a:xfrm>
-            <a:off x="10311538" y="4694176"/>
-            <a:ext cx="720667" cy="461665"/>
-          </a:xfrm>
-          <a:prstGeom prst="rect">
-            <a:avLst/>
-          </a:prstGeom>
-          <a:noFill/>
-        </p:spPr>
-        <p:txBody>
-          <a:bodyPr wrap="square" rtlCol="0">
-            <a:spAutoFit/>
-          </a:bodyPr>
-          <a:lstStyle/>
-          <a:p>
-            <a:r>
-              <a:rPr lang="en-US" sz="2400" b="1" dirty="0">
-                <a:latin typeface="Arial" panose="020B0604020202020204" pitchFamily="34" charset="0"/>
-                <a:cs typeface="Arial" panose="020B0604020202020204" pitchFamily="34" charset="0"/>
-              </a:rPr>
-              <a:t>6</a:t>
-            </a:r>
-          </a:p>
-        </p:txBody>
-      </p:sp>
       <p:sp>
         <p:nvSpPr>
           <p:cNvPr id="3" name="Oval 2">
@@ -4672,263 +4573,352 @@
           </a:p>
         </p:txBody>
       </p:sp>
-      <p:sp>
-        <p:nvSpPr>
-          <p:cNvPr id="2" name="Oval 1">
-            <a:extLst>
-              <a:ext uri="{FF2B5EF4-FFF2-40B4-BE49-F238E27FC236}">
-                <a16:creationId xmlns:a16="http://schemas.microsoft.com/office/drawing/2014/main" id="{026CA1A4-74AE-B340-A673-596173454F9E}"/>
-              </a:ext>
-            </a:extLst>
-          </p:cNvPr>
-          <p:cNvSpPr/>
+      <p:grpSp>
+        <p:nvGrpSpPr>
+          <p:cNvPr id="4" name="Group 3">
+            <a:extLst>
+              <a:ext uri="{FF2B5EF4-FFF2-40B4-BE49-F238E27FC236}">
+                <a16:creationId xmlns:a16="http://schemas.microsoft.com/office/drawing/2014/main" id="{530F8012-FBF6-BF43-B404-577784393D94}"/>
+              </a:ext>
+            </a:extLst>
+          </p:cNvPr>
+          <p:cNvGrpSpPr/>
           <p:nvPr/>
-        </p:nvSpPr>
-        <p:spPr>
+        </p:nvGrpSpPr>
+        <p:grpSpPr>
           <a:xfrm>
             <a:off x="4246323" y="2910128"/>
             <a:ext cx="1056422" cy="1022204"/>
+            <a:chOff x="4246323" y="2910128"/>
+            <a:chExt cx="1056422" cy="1022204"/>
           </a:xfrm>
-          <a:prstGeom prst="ellipse">
-            <a:avLst/>
-          </a:prstGeom>
-          <a:solidFill>
-            <a:srgbClr val="92552E"/>
-          </a:solidFill>
-          <a:ln w="76200">
-            <a:solidFill>
-              <a:srgbClr val="92552E"/>
-            </a:solidFill>
-          </a:ln>
-        </p:spPr>
-        <p:style>
-          <a:lnRef idx="2">
-            <a:schemeClr val="accent1">
-              <a:shade val="50000"/>
-            </a:schemeClr>
-          </a:lnRef>
-          <a:fillRef idx="1">
-            <a:schemeClr val="accent1"/>
-          </a:fillRef>
-          <a:effectRef idx="0">
-            <a:schemeClr val="accent1"/>
-          </a:effectRef>
-          <a:fontRef idx="minor">
-            <a:schemeClr val="lt1"/>
-          </a:fontRef>
-        </p:style>
-        <p:txBody>
-          <a:bodyPr rtlCol="0" anchor="ctr"/>
-          <a:lstStyle/>
-          <a:p>
-            <a:pPr algn="ctr"/>
-            <a:endParaRPr lang="en-US">
+        </p:grpSpPr>
+        <p:sp>
+          <p:nvSpPr>
+            <p:cNvPr id="2" name="Oval 1">
+              <a:extLst>
+                <a:ext uri="{FF2B5EF4-FFF2-40B4-BE49-F238E27FC236}">
+                  <a16:creationId xmlns:a16="http://schemas.microsoft.com/office/drawing/2014/main" id="{026CA1A4-74AE-B340-A673-596173454F9E}"/>
+                </a:ext>
+              </a:extLst>
+            </p:cNvPr>
+            <p:cNvSpPr/>
+            <p:nvPr/>
+          </p:nvSpPr>
+          <p:spPr>
+            <a:xfrm>
+              <a:off x="4246323" y="2910128"/>
+              <a:ext cx="1056422" cy="1022204"/>
+            </a:xfrm>
+            <a:prstGeom prst="ellipse">
+              <a:avLst/>
+            </a:prstGeom>
+            <a:gradFill flip="none" rotWithShape="1">
+              <a:gsLst>
+                <a:gs pos="0">
+                  <a:srgbClr val="92552E">
+                    <a:shade val="30000"/>
+                    <a:satMod val="115000"/>
+                  </a:srgbClr>
+                </a:gs>
+                <a:gs pos="50000">
+                  <a:srgbClr val="92552E">
+                    <a:shade val="67500"/>
+                    <a:satMod val="115000"/>
+                  </a:srgbClr>
+                </a:gs>
+                <a:gs pos="100000">
+                  <a:srgbClr val="92552E">
+                    <a:shade val="100000"/>
+                    <a:satMod val="115000"/>
+                  </a:srgbClr>
+                </a:gs>
+              </a:gsLst>
+              <a:path path="circle">
+                <a:fillToRect l="50000" t="50000" r="50000" b="50000"/>
+              </a:path>
+              <a:tileRect/>
+            </a:gradFill>
+            <a:ln w="76200">
               <a:solidFill>
-                <a:schemeClr val="accent3"/>
+                <a:srgbClr val="92552E"/>
               </a:solidFill>
-            </a:endParaRPr>
-          </a:p>
-        </p:txBody>
-      </p:sp>
-      <p:pic>
-        <p:nvPicPr>
-          <p:cNvPr id="18" name="Picture 10" descr="Dog Bone Cookie Cutter | Lakeland">
-            <a:extLst>
-              <a:ext uri="{FF2B5EF4-FFF2-40B4-BE49-F238E27FC236}">
-                <a16:creationId xmlns:a16="http://schemas.microsoft.com/office/drawing/2014/main" id="{1F10D7AD-5A8C-1443-9A5D-D2AC513EF6BF}"/>
-              </a:ext>
-            </a:extLst>
-          </p:cNvPr>
-          <p:cNvPicPr>
-            <a:picLocks noChangeAspect="1" noChangeArrowheads="1"/>
-          </p:cNvPicPr>
+            </a:ln>
+          </p:spPr>
+          <p:style>
+            <a:lnRef idx="2">
+              <a:schemeClr val="accent1">
+                <a:shade val="50000"/>
+              </a:schemeClr>
+            </a:lnRef>
+            <a:fillRef idx="1">
+              <a:schemeClr val="accent1"/>
+            </a:fillRef>
+            <a:effectRef idx="0">
+              <a:schemeClr val="accent1"/>
+            </a:effectRef>
+            <a:fontRef idx="minor">
+              <a:schemeClr val="lt1"/>
+            </a:fontRef>
+          </p:style>
+          <p:txBody>
+            <a:bodyPr rtlCol="0" anchor="ctr"/>
+            <a:lstStyle/>
+            <a:p>
+              <a:pPr algn="ctr"/>
+              <a:endParaRPr lang="en-US">
+                <a:solidFill>
+                  <a:schemeClr val="accent3"/>
+                </a:solidFill>
+              </a:endParaRPr>
+            </a:p>
+          </p:txBody>
+        </p:sp>
+        <p:pic>
+          <p:nvPicPr>
+            <p:cNvPr id="18" name="Picture 10" descr="Dog Bone Cookie Cutter | Lakeland">
+              <a:extLst>
+                <a:ext uri="{FF2B5EF4-FFF2-40B4-BE49-F238E27FC236}">
+                  <a16:creationId xmlns:a16="http://schemas.microsoft.com/office/drawing/2014/main" id="{1F10D7AD-5A8C-1443-9A5D-D2AC513EF6BF}"/>
+                </a:ext>
+              </a:extLst>
+            </p:cNvPr>
+            <p:cNvPicPr>
+              <a:picLocks noChangeAspect="1" noChangeArrowheads="1"/>
+            </p:cNvPicPr>
+            <p:nvPr/>
+          </p:nvPicPr>
+          <p:blipFill>
+            <a:blip r:embed="rId6">
+              <a:extLst>
+                <a:ext uri="{BEBA8EAE-BF5A-486C-A8C5-ECC9F3942E4B}">
+                  <a14:imgProps xmlns:a14="http://schemas.microsoft.com/office/drawing/2010/main">
+                    <a14:imgLayer r:embed="rId8">
+                      <a14:imgEffect>
+                        <a14:backgroundRemoval t="10000" b="90000" l="10000" r="90000"/>
+                      </a14:imgEffect>
+                    </a14:imgLayer>
+                  </a14:imgProps>
+                </a:ext>
+                <a:ext uri="{28A0092B-C50C-407E-A947-70E740481C1C}">
+                  <a14:useLocalDpi xmlns:a14="http://schemas.microsoft.com/office/drawing/2010/main" val="0"/>
+                </a:ext>
+              </a:extLst>
+            </a:blip>
+            <a:srcRect/>
+            <a:stretch>
+              <a:fillRect/>
+            </a:stretch>
+          </p:blipFill>
+          <p:spPr bwMode="auto">
+            <a:xfrm>
+              <a:off x="4370874" y="3017570"/>
+              <a:ext cx="807320" cy="807320"/>
+            </a:xfrm>
+            <a:prstGeom prst="rect">
+              <a:avLst/>
+            </a:prstGeom>
+            <a:noFill/>
+          </p:spPr>
+        </p:pic>
+      </p:grpSp>
+      <p:grpSp>
+        <p:nvGrpSpPr>
+          <p:cNvPr id="5" name="Group 4">
+            <a:extLst>
+              <a:ext uri="{FF2B5EF4-FFF2-40B4-BE49-F238E27FC236}">
+                <a16:creationId xmlns:a16="http://schemas.microsoft.com/office/drawing/2014/main" id="{B48FDBF6-D133-484F-8CAE-D6A2A5485409}"/>
+              </a:ext>
+            </a:extLst>
+          </p:cNvPr>
+          <p:cNvGrpSpPr/>
           <p:nvPr/>
-        </p:nvPicPr>
-        <p:blipFill>
-          <a:blip r:embed="rId6">
-            <a:extLst>
-              <a:ext uri="{BEBA8EAE-BF5A-486C-A8C5-ECC9F3942E4B}">
-                <a14:imgProps xmlns:a14="http://schemas.microsoft.com/office/drawing/2010/main">
-                  <a14:imgLayer r:embed="rId8">
-                    <a14:imgEffect>
-                      <a14:backgroundRemoval t="10000" b="90000" l="10000" r="90000"/>
-                    </a14:imgEffect>
-                  </a14:imgLayer>
-                </a14:imgProps>
-              </a:ext>
-              <a:ext uri="{28A0092B-C50C-407E-A947-70E740481C1C}">
-                <a14:useLocalDpi xmlns:a14="http://schemas.microsoft.com/office/drawing/2010/main" val="0"/>
-              </a:ext>
-            </a:extLst>
-          </a:blip>
-          <a:srcRect/>
-          <a:stretch>
-            <a:fillRect/>
-          </a:stretch>
-        </p:blipFill>
-        <p:spPr bwMode="auto">
+        </p:nvGrpSpPr>
+        <p:grpSpPr>
           <a:xfrm>
-            <a:off x="4370874" y="3017570"/>
-            <a:ext cx="807320" cy="807320"/>
+            <a:off x="5563001" y="2817154"/>
+            <a:ext cx="1056422" cy="1211167"/>
+            <a:chOff x="5563001" y="2817154"/>
+            <a:chExt cx="1056422" cy="1211167"/>
           </a:xfrm>
-          <a:prstGeom prst="rect">
-            <a:avLst/>
-          </a:prstGeom>
-          <a:noFill/>
-        </p:spPr>
-      </p:pic>
-      <p:sp>
-        <p:nvSpPr>
-          <p:cNvPr id="19" name="Oval 18">
-            <a:extLst>
-              <a:ext uri="{FF2B5EF4-FFF2-40B4-BE49-F238E27FC236}">
-                <a16:creationId xmlns:a16="http://schemas.microsoft.com/office/drawing/2014/main" id="{5F030C5E-59D9-D24E-82E8-47AFA5553183}"/>
-              </a:ext>
-            </a:extLst>
-          </p:cNvPr>
-          <p:cNvSpPr/>
-          <p:nvPr/>
-        </p:nvSpPr>
-        <p:spPr>
-          <a:xfrm>
-            <a:off x="5563001" y="2910128"/>
-            <a:ext cx="1056422" cy="1022204"/>
-          </a:xfrm>
-          <a:prstGeom prst="ellipse">
-            <a:avLst/>
-          </a:prstGeom>
-          <a:solidFill>
-            <a:schemeClr val="bg1">
-              <a:lumMod val="65000"/>
-            </a:schemeClr>
-          </a:solidFill>
-          <a:ln w="76200">
-            <a:solidFill>
-              <a:schemeClr val="bg1">
-                <a:lumMod val="65000"/>
+        </p:grpSpPr>
+        <p:sp>
+          <p:nvSpPr>
+            <p:cNvPr id="19" name="Oval 18">
+              <a:extLst>
+                <a:ext uri="{FF2B5EF4-FFF2-40B4-BE49-F238E27FC236}">
+                  <a16:creationId xmlns:a16="http://schemas.microsoft.com/office/drawing/2014/main" id="{5F030C5E-59D9-D24E-82E8-47AFA5553183}"/>
+                </a:ext>
+              </a:extLst>
+            </p:cNvPr>
+            <p:cNvSpPr/>
+            <p:nvPr/>
+          </p:nvSpPr>
+          <p:spPr>
+            <a:xfrm>
+              <a:off x="5563001" y="2910128"/>
+              <a:ext cx="1056422" cy="1022204"/>
+            </a:xfrm>
+            <a:prstGeom prst="ellipse">
+              <a:avLst/>
+            </a:prstGeom>
+            <a:gradFill flip="none" rotWithShape="1">
+              <a:gsLst>
+                <a:gs pos="0">
+                  <a:schemeClr val="bg1">
+                    <a:lumMod val="65000"/>
+                    <a:shade val="30000"/>
+                    <a:satMod val="115000"/>
+                  </a:schemeClr>
+                </a:gs>
+                <a:gs pos="50000">
+                  <a:schemeClr val="bg1">
+                    <a:lumMod val="65000"/>
+                    <a:shade val="67500"/>
+                    <a:satMod val="115000"/>
+                  </a:schemeClr>
+                </a:gs>
+                <a:gs pos="100000">
+                  <a:schemeClr val="bg1">
+                    <a:lumMod val="65000"/>
+                    <a:shade val="100000"/>
+                    <a:satMod val="115000"/>
+                  </a:schemeClr>
+                </a:gs>
+              </a:gsLst>
+              <a:path path="circle">
+                <a:fillToRect l="50000" t="50000" r="50000" b="50000"/>
+              </a:path>
+              <a:tileRect/>
+            </a:gradFill>
+            <a:ln w="76200">
+              <a:solidFill>
+                <a:schemeClr val="bg1">
+                  <a:lumMod val="65000"/>
+                </a:schemeClr>
+              </a:solidFill>
+            </a:ln>
+          </p:spPr>
+          <p:style>
+            <a:lnRef idx="2">
+              <a:schemeClr val="accent1">
+                <a:shade val="50000"/>
               </a:schemeClr>
-            </a:solidFill>
-          </a:ln>
-        </p:spPr>
-        <p:style>
-          <a:lnRef idx="2">
-            <a:schemeClr val="accent1">
-              <a:shade val="50000"/>
-            </a:schemeClr>
-          </a:lnRef>
-          <a:fillRef idx="1">
-            <a:schemeClr val="accent1"/>
-          </a:fillRef>
-          <a:effectRef idx="0">
-            <a:schemeClr val="accent1"/>
-          </a:effectRef>
-          <a:fontRef idx="minor">
-            <a:schemeClr val="lt1"/>
-          </a:fontRef>
-        </p:style>
-        <p:txBody>
-          <a:bodyPr rtlCol="0" anchor="ctr"/>
-          <a:lstStyle/>
-          <a:p>
-            <a:pPr algn="ctr"/>
-            <a:endParaRPr lang="en-US"/>
-          </a:p>
-        </p:txBody>
-      </p:sp>
-      <p:pic>
-        <p:nvPicPr>
-          <p:cNvPr id="20" name="Picture 10" descr="Dog Bone Cookie Cutter | Lakeland">
-            <a:extLst>
-              <a:ext uri="{FF2B5EF4-FFF2-40B4-BE49-F238E27FC236}">
-                <a16:creationId xmlns:a16="http://schemas.microsoft.com/office/drawing/2014/main" id="{31C71303-C71C-0F40-82DA-6153FC2E532D}"/>
-              </a:ext>
-            </a:extLst>
-          </p:cNvPr>
-          <p:cNvPicPr>
-            <a:picLocks noChangeAspect="1" noChangeArrowheads="1"/>
-          </p:cNvPicPr>
-          <p:nvPr/>
-        </p:nvPicPr>
-        <p:blipFill>
-          <a:blip r:embed="rId6">
-            <a:extLst>
-              <a:ext uri="{BEBA8EAE-BF5A-486C-A8C5-ECC9F3942E4B}">
-                <a14:imgProps xmlns:a14="http://schemas.microsoft.com/office/drawing/2010/main">
-                  <a14:imgLayer r:embed="rId8">
-                    <a14:imgEffect>
-                      <a14:backgroundRemoval t="10000" b="90000" l="10000" r="90000"/>
-                    </a14:imgEffect>
-                  </a14:imgLayer>
-                </a14:imgProps>
-              </a:ext>
-              <a:ext uri="{28A0092B-C50C-407E-A947-70E740481C1C}">
-                <a14:useLocalDpi xmlns:a14="http://schemas.microsoft.com/office/drawing/2010/main" val="0"/>
-              </a:ext>
-            </a:extLst>
-          </a:blip>
-          <a:srcRect/>
-          <a:stretch>
-            <a:fillRect/>
-          </a:stretch>
-        </p:blipFill>
-        <p:spPr bwMode="auto">
-          <a:xfrm>
-            <a:off x="5687552" y="2817154"/>
-            <a:ext cx="807320" cy="807320"/>
-          </a:xfrm>
-          <a:prstGeom prst="rect">
-            <a:avLst/>
-          </a:prstGeom>
-          <a:noFill/>
-        </p:spPr>
-      </p:pic>
-      <p:pic>
-        <p:nvPicPr>
-          <p:cNvPr id="22" name="Picture 10" descr="Dog Bone Cookie Cutter | Lakeland">
-            <a:extLst>
-              <a:ext uri="{FF2B5EF4-FFF2-40B4-BE49-F238E27FC236}">
-                <a16:creationId xmlns:a16="http://schemas.microsoft.com/office/drawing/2014/main" id="{1A6CAB69-4F32-744D-AC9F-E3ECBB8F5856}"/>
-              </a:ext>
-            </a:extLst>
-          </p:cNvPr>
-          <p:cNvPicPr>
-            <a:picLocks noChangeAspect="1" noChangeArrowheads="1"/>
-          </p:cNvPicPr>
-          <p:nvPr/>
-        </p:nvPicPr>
-        <p:blipFill>
-          <a:blip r:embed="rId6">
-            <a:extLst>
-              <a:ext uri="{BEBA8EAE-BF5A-486C-A8C5-ECC9F3942E4B}">
-                <a14:imgProps xmlns:a14="http://schemas.microsoft.com/office/drawing/2010/main">
-                  <a14:imgLayer r:embed="rId8">
-                    <a14:imgEffect>
-                      <a14:backgroundRemoval t="10000" b="90000" l="10000" r="90000"/>
-                    </a14:imgEffect>
-                  </a14:imgLayer>
-                </a14:imgProps>
-              </a:ext>
-              <a:ext uri="{28A0092B-C50C-407E-A947-70E740481C1C}">
-                <a14:useLocalDpi xmlns:a14="http://schemas.microsoft.com/office/drawing/2010/main" val="0"/>
-              </a:ext>
-            </a:extLst>
-          </a:blip>
-          <a:srcRect/>
-          <a:stretch>
-            <a:fillRect/>
-          </a:stretch>
-        </p:blipFill>
-        <p:spPr bwMode="auto">
-          <a:xfrm>
-            <a:off x="5684755" y="3221001"/>
-            <a:ext cx="807320" cy="807320"/>
-          </a:xfrm>
-          <a:prstGeom prst="rect">
-            <a:avLst/>
-          </a:prstGeom>
-          <a:noFill/>
-        </p:spPr>
-      </p:pic>
+            </a:lnRef>
+            <a:fillRef idx="1">
+              <a:schemeClr val="accent1"/>
+            </a:fillRef>
+            <a:effectRef idx="0">
+              <a:schemeClr val="accent1"/>
+            </a:effectRef>
+            <a:fontRef idx="minor">
+              <a:schemeClr val="lt1"/>
+            </a:fontRef>
+          </p:style>
+          <p:txBody>
+            <a:bodyPr rtlCol="0" anchor="ctr"/>
+            <a:lstStyle/>
+            <a:p>
+              <a:pPr algn="ctr"/>
+              <a:endParaRPr lang="en-US"/>
+            </a:p>
+          </p:txBody>
+        </p:sp>
+        <p:pic>
+          <p:nvPicPr>
+            <p:cNvPr id="20" name="Picture 10" descr="Dog Bone Cookie Cutter | Lakeland">
+              <a:extLst>
+                <a:ext uri="{FF2B5EF4-FFF2-40B4-BE49-F238E27FC236}">
+                  <a16:creationId xmlns:a16="http://schemas.microsoft.com/office/drawing/2014/main" id="{31C71303-C71C-0F40-82DA-6153FC2E532D}"/>
+                </a:ext>
+              </a:extLst>
+            </p:cNvPr>
+            <p:cNvPicPr>
+              <a:picLocks noChangeAspect="1" noChangeArrowheads="1"/>
+            </p:cNvPicPr>
+            <p:nvPr/>
+          </p:nvPicPr>
+          <p:blipFill>
+            <a:blip r:embed="rId6">
+              <a:extLst>
+                <a:ext uri="{BEBA8EAE-BF5A-486C-A8C5-ECC9F3942E4B}">
+                  <a14:imgProps xmlns:a14="http://schemas.microsoft.com/office/drawing/2010/main">
+                    <a14:imgLayer r:embed="rId8">
+                      <a14:imgEffect>
+                        <a14:backgroundRemoval t="10000" b="90000" l="10000" r="90000"/>
+                      </a14:imgEffect>
+                    </a14:imgLayer>
+                  </a14:imgProps>
+                </a:ext>
+                <a:ext uri="{28A0092B-C50C-407E-A947-70E740481C1C}">
+                  <a14:useLocalDpi xmlns:a14="http://schemas.microsoft.com/office/drawing/2010/main" val="0"/>
+                </a:ext>
+              </a:extLst>
+            </a:blip>
+            <a:srcRect/>
+            <a:stretch>
+              <a:fillRect/>
+            </a:stretch>
+          </p:blipFill>
+          <p:spPr bwMode="auto">
+            <a:xfrm>
+              <a:off x="5687552" y="2817154"/>
+              <a:ext cx="807320" cy="807320"/>
+            </a:xfrm>
+            <a:prstGeom prst="rect">
+              <a:avLst/>
+            </a:prstGeom>
+            <a:noFill/>
+          </p:spPr>
+        </p:pic>
+        <p:pic>
+          <p:nvPicPr>
+            <p:cNvPr id="22" name="Picture 10" descr="Dog Bone Cookie Cutter | Lakeland">
+              <a:extLst>
+                <a:ext uri="{FF2B5EF4-FFF2-40B4-BE49-F238E27FC236}">
+                  <a16:creationId xmlns:a16="http://schemas.microsoft.com/office/drawing/2014/main" id="{1A6CAB69-4F32-744D-AC9F-E3ECBB8F5856}"/>
+                </a:ext>
+              </a:extLst>
+            </p:cNvPr>
+            <p:cNvPicPr>
+              <a:picLocks noChangeAspect="1" noChangeArrowheads="1"/>
+            </p:cNvPicPr>
+            <p:nvPr/>
+          </p:nvPicPr>
+          <p:blipFill>
+            <a:blip r:embed="rId6">
+              <a:extLst>
+                <a:ext uri="{BEBA8EAE-BF5A-486C-A8C5-ECC9F3942E4B}">
+                  <a14:imgProps xmlns:a14="http://schemas.microsoft.com/office/drawing/2010/main">
+                    <a14:imgLayer r:embed="rId8">
+                      <a14:imgEffect>
+                        <a14:backgroundRemoval t="10000" b="90000" l="10000" r="90000"/>
+                      </a14:imgEffect>
+                    </a14:imgLayer>
+                  </a14:imgProps>
+                </a:ext>
+                <a:ext uri="{28A0092B-C50C-407E-A947-70E740481C1C}">
+                  <a14:useLocalDpi xmlns:a14="http://schemas.microsoft.com/office/drawing/2010/main" val="0"/>
+                </a:ext>
+              </a:extLst>
+            </a:blip>
+            <a:srcRect/>
+            <a:stretch>
+              <a:fillRect/>
+            </a:stretch>
+          </p:blipFill>
+          <p:spPr bwMode="auto">
+            <a:xfrm>
+              <a:off x="5684755" y="3221001"/>
+              <a:ext cx="807320" cy="807320"/>
+            </a:xfrm>
+            <a:prstGeom prst="rect">
+              <a:avLst/>
+            </a:prstGeom>
+            <a:noFill/>
+          </p:spPr>
+        </p:pic>
+      </p:grpSp>
       <p:sp>
         <p:nvSpPr>
           <p:cNvPr id="23" name="Oval 22">
@@ -4949,9 +4939,32 @@
           <a:prstGeom prst="ellipse">
             <a:avLst/>
           </a:prstGeom>
-          <a:solidFill>
-            <a:srgbClr val="FFC000"/>
-          </a:solidFill>
+          <a:gradFill flip="none" rotWithShape="1">
+            <a:gsLst>
+              <a:gs pos="0">
+                <a:srgbClr val="FFC000">
+                  <a:shade val="30000"/>
+                  <a:satMod val="115000"/>
+                </a:srgbClr>
+              </a:gs>
+              <a:gs pos="50000">
+                <a:srgbClr val="FFC000">
+                  <a:shade val="67500"/>
+                  <a:satMod val="115000"/>
+                </a:srgbClr>
+              </a:gs>
+              <a:gs pos="100000">
+                <a:srgbClr val="FFC000">
+                  <a:shade val="100000"/>
+                  <a:satMod val="115000"/>
+                </a:srgbClr>
+              </a:gs>
+            </a:gsLst>
+            <a:path path="circle">
+              <a:fillToRect l="50000" t="50000" r="50000" b="50000"/>
+            </a:path>
+            <a:tileRect/>
+          </a:gradFill>
           <a:ln w="76200">
             <a:solidFill>
               <a:srgbClr val="FFC000"/>
@@ -4985,53 +4998,6 @@
       </p:sp>
       <p:pic>
         <p:nvPicPr>
-          <p:cNvPr id="24" name="Picture 10" descr="Dog Bone Cookie Cutter | Lakeland">
-            <a:extLst>
-              <a:ext uri="{FF2B5EF4-FFF2-40B4-BE49-F238E27FC236}">
-                <a16:creationId xmlns:a16="http://schemas.microsoft.com/office/drawing/2014/main" id="{D0F0B607-E784-C64A-88ED-911D348A0A35}"/>
-              </a:ext>
-            </a:extLst>
-          </p:cNvPr>
-          <p:cNvPicPr>
-            <a:picLocks noChangeAspect="1" noChangeArrowheads="1"/>
-          </p:cNvPicPr>
-          <p:nvPr/>
-        </p:nvPicPr>
-        <p:blipFill>
-          <a:blip r:embed="rId6">
-            <a:extLst>
-              <a:ext uri="{BEBA8EAE-BF5A-486C-A8C5-ECC9F3942E4B}">
-                <a14:imgProps xmlns:a14="http://schemas.microsoft.com/office/drawing/2010/main">
-                  <a14:imgLayer r:embed="rId8">
-                    <a14:imgEffect>
-                      <a14:backgroundRemoval t="10000" b="90000" l="10000" r="90000"/>
-                    </a14:imgEffect>
-                  </a14:imgLayer>
-                </a14:imgProps>
-              </a:ext>
-              <a:ext uri="{28A0092B-C50C-407E-A947-70E740481C1C}">
-                <a14:useLocalDpi xmlns:a14="http://schemas.microsoft.com/office/drawing/2010/main" val="0"/>
-              </a:ext>
-            </a:extLst>
-          </a:blip>
-          <a:srcRect/>
-          <a:stretch>
-            <a:fillRect/>
-          </a:stretch>
-        </p:blipFill>
-        <p:spPr bwMode="auto">
-          <a:xfrm>
-            <a:off x="6924596" y="2979027"/>
-            <a:ext cx="807320" cy="807320"/>
-          </a:xfrm>
-          <a:prstGeom prst="rect">
-            <a:avLst/>
-          </a:prstGeom>
-          <a:noFill/>
-        </p:spPr>
-      </p:pic>
-      <p:pic>
-        <p:nvPicPr>
           <p:cNvPr id="25" name="Picture 10" descr="Dog Bone Cookie Cutter | Lakeland">
             <a:extLst>
               <a:ext uri="{FF2B5EF4-FFF2-40B4-BE49-F238E27FC236}">
@@ -5116,6 +5082,53 @@
         <p:spPr bwMode="auto">
           <a:xfrm>
             <a:off x="6928328" y="2682887"/>
+            <a:ext cx="807320" cy="807320"/>
+          </a:xfrm>
+          <a:prstGeom prst="rect">
+            <a:avLst/>
+          </a:prstGeom>
+          <a:noFill/>
+        </p:spPr>
+      </p:pic>
+      <p:pic>
+        <p:nvPicPr>
+          <p:cNvPr id="24" name="Picture 10" descr="Dog Bone Cookie Cutter | Lakeland">
+            <a:extLst>
+              <a:ext uri="{FF2B5EF4-FFF2-40B4-BE49-F238E27FC236}">
+                <a16:creationId xmlns:a16="http://schemas.microsoft.com/office/drawing/2014/main" id="{D0F0B607-E784-C64A-88ED-911D348A0A35}"/>
+              </a:ext>
+            </a:extLst>
+          </p:cNvPr>
+          <p:cNvPicPr>
+            <a:picLocks noChangeAspect="1" noChangeArrowheads="1"/>
+          </p:cNvPicPr>
+          <p:nvPr/>
+        </p:nvPicPr>
+        <p:blipFill>
+          <a:blip r:embed="rId6">
+            <a:extLst>
+              <a:ext uri="{BEBA8EAE-BF5A-486C-A8C5-ECC9F3942E4B}">
+                <a14:imgProps xmlns:a14="http://schemas.microsoft.com/office/drawing/2010/main">
+                  <a14:imgLayer r:embed="rId8">
+                    <a14:imgEffect>
+                      <a14:backgroundRemoval t="10000" b="90000" l="10000" r="90000"/>
+                    </a14:imgEffect>
+                  </a14:imgLayer>
+                </a14:imgProps>
+              </a:ext>
+              <a:ext uri="{28A0092B-C50C-407E-A947-70E740481C1C}">
+                <a14:useLocalDpi xmlns:a14="http://schemas.microsoft.com/office/drawing/2010/main" val="0"/>
+              </a:ext>
+            </a:extLst>
+          </a:blip>
+          <a:srcRect/>
+          <a:stretch>
+            <a:fillRect/>
+          </a:stretch>
+        </p:blipFill>
+        <p:spPr bwMode="auto">
+          <a:xfrm>
+            <a:off x="6924596" y="2979027"/>
             <a:ext cx="807320" cy="807320"/>
           </a:xfrm>
           <a:prstGeom prst="rect">
